--- a/docs/FiguresForLatentVariableModeling.pptx
+++ b/docs/FiguresForLatentVariableModeling.pptx
@@ -3889,6 +3889,666 @@
           </p:style>
         </p:cxnSp>
       </p:grpSp>
+      <p:grpSp>
+        <p:nvGrpSpPr>
+          <p:cNvPr id="37" name="Group 36">
+            <a:extLst>
+              <a:ext uri="{FF2B5EF4-FFF2-40B4-BE49-F238E27FC236}">
+                <a16:creationId xmlns:a16="http://schemas.microsoft.com/office/drawing/2014/main" id="{4ACD41DD-AC28-FAAC-8C46-62219F344665}"/>
+              </a:ext>
+            </a:extLst>
+          </p:cNvPr>
+          <p:cNvGrpSpPr/>
+          <p:nvPr/>
+        </p:nvGrpSpPr>
+        <p:grpSpPr>
+          <a:xfrm>
+            <a:off x="2078152" y="1011597"/>
+            <a:ext cx="1647085" cy="709771"/>
+            <a:chOff x="2078152" y="1011597"/>
+            <a:chExt cx="1647085" cy="709771"/>
+          </a:xfrm>
+        </p:grpSpPr>
+        <mc:AlternateContent xmlns:mc="http://schemas.openxmlformats.org/markup-compatibility/2006">
+          <mc:Choice xmlns:a14="http://schemas.microsoft.com/office/drawing/2010/main" Requires="a14">
+            <p:sp>
+              <p:nvSpPr>
+                <p:cNvPr id="23" name="TextBox 22">
+                  <a:extLst>
+                    <a:ext uri="{FF2B5EF4-FFF2-40B4-BE49-F238E27FC236}">
+                      <a16:creationId xmlns:a16="http://schemas.microsoft.com/office/drawing/2014/main" id="{5997899A-3BD1-0C1B-1F8E-8706F4B024BC}"/>
+                    </a:ext>
+                  </a:extLst>
+                </p:cNvPr>
+                <p:cNvSpPr txBox="1"/>
+                <p:nvPr/>
+              </p:nvSpPr>
+              <p:spPr>
+                <a:xfrm>
+                  <a:off x="2414702" y="1475147"/>
+                  <a:ext cx="296556" cy="246221"/>
+                </a:xfrm>
+                <a:prstGeom prst="rect">
+                  <a:avLst/>
+                </a:prstGeom>
+                <a:noFill/>
+              </p:spPr>
+              <p:txBody>
+                <a:bodyPr wrap="none" rtlCol="0">
+                  <a:spAutoFit/>
+                </a:bodyPr>
+                <a:lstStyle/>
+                <a:p>
+                  <a14:m>
+                    <m:oMathPara xmlns:m="http://schemas.openxmlformats.org/officeDocument/2006/math">
+                      <m:oMathParaPr>
+                        <m:jc m:val="centerGroup"/>
+                      </m:oMathParaPr>
+                      <m:oMath xmlns:m="http://schemas.openxmlformats.org/officeDocument/2006/math">
+                        <m:r>
+                          <a:rPr lang="en-US" sz="1000" i="1" dirty="0" smtClean="0">
+                            <a:latin typeface="Cambria Math" panose="02040503050406030204" pitchFamily="18" charset="0"/>
+                          </a:rPr>
+                          <m:t>𝐴</m:t>
+                        </m:r>
+                      </m:oMath>
+                    </m:oMathPara>
+                  </a14:m>
+                  <a:endParaRPr lang="en-US" sz="1000" dirty="0"/>
+                </a:p>
+              </p:txBody>
+            </p:sp>
+          </mc:Choice>
+          <mc:Fallback>
+            <p:sp>
+              <p:nvSpPr>
+                <p:cNvPr id="23" name="TextBox 22">
+                  <a:extLst>
+                    <a:ext uri="{FF2B5EF4-FFF2-40B4-BE49-F238E27FC236}">
+                      <a16:creationId xmlns:a16="http://schemas.microsoft.com/office/drawing/2014/main" id="{5997899A-3BD1-0C1B-1F8E-8706F4B024BC}"/>
+                    </a:ext>
+                  </a:extLst>
+                </p:cNvPr>
+                <p:cNvSpPr txBox="1">
+                  <a:spLocks noRot="1" noChangeAspect="1" noMove="1" noResize="1" noEditPoints="1" noAdjustHandles="1" noChangeArrowheads="1" noChangeShapeType="1" noTextEdit="1"/>
+                </p:cNvSpPr>
+                <p:nvPr/>
+              </p:nvSpPr>
+              <p:spPr>
+                <a:xfrm>
+                  <a:off x="2414702" y="1475147"/>
+                  <a:ext cx="296556" cy="246221"/>
+                </a:xfrm>
+                <a:prstGeom prst="rect">
+                  <a:avLst/>
+                </a:prstGeom>
+                <a:blipFill>
+                  <a:blip r:embed="rId6"/>
+                  <a:stretch>
+                    <a:fillRect/>
+                  </a:stretch>
+                </a:blipFill>
+              </p:spPr>
+              <p:txBody>
+                <a:bodyPr/>
+                <a:lstStyle/>
+                <a:p>
+                  <a:r>
+                    <a:rPr lang="en-US">
+                      <a:noFill/>
+                    </a:rPr>
+                    <a:t> </a:t>
+                  </a:r>
+                </a:p>
+              </p:txBody>
+            </p:sp>
+          </mc:Fallback>
+        </mc:AlternateContent>
+        <mc:AlternateContent xmlns:mc="http://schemas.openxmlformats.org/markup-compatibility/2006">
+          <mc:Choice xmlns:a14="http://schemas.microsoft.com/office/drawing/2010/main" Requires="a14">
+            <p:sp>
+              <p:nvSpPr>
+                <p:cNvPr id="24" name="TextBox 23">
+                  <a:extLst>
+                    <a:ext uri="{FF2B5EF4-FFF2-40B4-BE49-F238E27FC236}">
+                      <a16:creationId xmlns:a16="http://schemas.microsoft.com/office/drawing/2014/main" id="{A7A581B7-AA3E-4E44-A0C9-FF351CC1BBBA}"/>
+                    </a:ext>
+                  </a:extLst>
+                </p:cNvPr>
+                <p:cNvSpPr txBox="1"/>
+                <p:nvPr/>
+              </p:nvSpPr>
+              <p:spPr>
+                <a:xfrm>
+                  <a:off x="3071796" y="1448321"/>
+                  <a:ext cx="301942" cy="246221"/>
+                </a:xfrm>
+                <a:prstGeom prst="rect">
+                  <a:avLst/>
+                </a:prstGeom>
+                <a:noFill/>
+              </p:spPr>
+              <p:txBody>
+                <a:bodyPr wrap="none" rtlCol="0">
+                  <a:spAutoFit/>
+                </a:bodyPr>
+                <a:lstStyle/>
+                <a:p>
+                  <a14:m>
+                    <m:oMathPara xmlns:m="http://schemas.openxmlformats.org/officeDocument/2006/math">
+                      <m:oMathParaPr>
+                        <m:jc m:val="centerGroup"/>
+                      </m:oMathParaPr>
+                      <m:oMath xmlns:m="http://schemas.openxmlformats.org/officeDocument/2006/math">
+                        <m:r>
+                          <a:rPr lang="en-US" sz="1000" i="1" dirty="0" smtClean="0">
+                            <a:latin typeface="Cambria Math" panose="02040503050406030204" pitchFamily="18" charset="0"/>
+                          </a:rPr>
+                          <m:t>𝐵</m:t>
+                        </m:r>
+                      </m:oMath>
+                    </m:oMathPara>
+                  </a14:m>
+                  <a:endParaRPr lang="en-US" sz="1000" dirty="0"/>
+                </a:p>
+              </p:txBody>
+            </p:sp>
+          </mc:Choice>
+          <mc:Fallback>
+            <p:sp>
+              <p:nvSpPr>
+                <p:cNvPr id="24" name="TextBox 23">
+                  <a:extLst>
+                    <a:ext uri="{FF2B5EF4-FFF2-40B4-BE49-F238E27FC236}">
+                      <a16:creationId xmlns:a16="http://schemas.microsoft.com/office/drawing/2014/main" id="{A7A581B7-AA3E-4E44-A0C9-FF351CC1BBBA}"/>
+                    </a:ext>
+                  </a:extLst>
+                </p:cNvPr>
+                <p:cNvSpPr txBox="1">
+                  <a:spLocks noRot="1" noChangeAspect="1" noMove="1" noResize="1" noEditPoints="1" noAdjustHandles="1" noChangeArrowheads="1" noChangeShapeType="1" noTextEdit="1"/>
+                </p:cNvSpPr>
+                <p:nvPr/>
+              </p:nvSpPr>
+              <p:spPr>
+                <a:xfrm>
+                  <a:off x="3071796" y="1448321"/>
+                  <a:ext cx="301942" cy="246221"/>
+                </a:xfrm>
+                <a:prstGeom prst="rect">
+                  <a:avLst/>
+                </a:prstGeom>
+                <a:blipFill>
+                  <a:blip r:embed="rId7"/>
+                  <a:stretch>
+                    <a:fillRect/>
+                  </a:stretch>
+                </a:blipFill>
+              </p:spPr>
+              <p:txBody>
+                <a:bodyPr/>
+                <a:lstStyle/>
+                <a:p>
+                  <a:r>
+                    <a:rPr lang="en-US">
+                      <a:noFill/>
+                    </a:rPr>
+                    <a:t> </a:t>
+                  </a:r>
+                </a:p>
+              </p:txBody>
+            </p:sp>
+          </mc:Fallback>
+        </mc:AlternateContent>
+        <mc:AlternateContent xmlns:mc="http://schemas.openxmlformats.org/markup-compatibility/2006">
+          <mc:Choice xmlns:a14="http://schemas.microsoft.com/office/drawing/2010/main" Requires="a14">
+            <p:sp>
+              <p:nvSpPr>
+                <p:cNvPr id="25" name="TextBox 24">
+                  <a:extLst>
+                    <a:ext uri="{FF2B5EF4-FFF2-40B4-BE49-F238E27FC236}">
+                      <a16:creationId xmlns:a16="http://schemas.microsoft.com/office/drawing/2014/main" id="{6EB0F7AE-2DBD-87FC-C0C4-0A1BA53C5931}"/>
+                    </a:ext>
+                  </a:extLst>
+                </p:cNvPr>
+                <p:cNvSpPr txBox="1"/>
+                <p:nvPr/>
+              </p:nvSpPr>
+              <p:spPr>
+                <a:xfrm>
+                  <a:off x="2078152" y="1011597"/>
+                  <a:ext cx="304186" cy="246221"/>
+                </a:xfrm>
+                <a:prstGeom prst="rect">
+                  <a:avLst/>
+                </a:prstGeom>
+                <a:noFill/>
+              </p:spPr>
+              <p:txBody>
+                <a:bodyPr wrap="none" rtlCol="0">
+                  <a:spAutoFit/>
+                </a:bodyPr>
+                <a:lstStyle/>
+                <a:p>
+                  <a14:m>
+                    <m:oMathPara xmlns:m="http://schemas.openxmlformats.org/officeDocument/2006/math">
+                      <m:oMathParaPr>
+                        <m:jc m:val="centerGroup"/>
+                      </m:oMathParaPr>
+                      <m:oMath xmlns:m="http://schemas.openxmlformats.org/officeDocument/2006/math">
+                        <m:r>
+                          <a:rPr lang="en-US" sz="1000" b="0" i="1" smtClean="0">
+                            <a:latin typeface="Cambria Math" panose="02040503050406030204" pitchFamily="18" charset="0"/>
+                          </a:rPr>
+                          <m:t>𝑈</m:t>
+                        </m:r>
+                      </m:oMath>
+                    </m:oMathPara>
+                  </a14:m>
+                  <a:endParaRPr lang="en-US" sz="1000" dirty="0"/>
+                </a:p>
+              </p:txBody>
+            </p:sp>
+          </mc:Choice>
+          <mc:Fallback>
+            <p:sp>
+              <p:nvSpPr>
+                <p:cNvPr id="25" name="TextBox 24">
+                  <a:extLst>
+                    <a:ext uri="{FF2B5EF4-FFF2-40B4-BE49-F238E27FC236}">
+                      <a16:creationId xmlns:a16="http://schemas.microsoft.com/office/drawing/2014/main" id="{6EB0F7AE-2DBD-87FC-C0C4-0A1BA53C5931}"/>
+                    </a:ext>
+                  </a:extLst>
+                </p:cNvPr>
+                <p:cNvSpPr txBox="1">
+                  <a:spLocks noRot="1" noChangeAspect="1" noMove="1" noResize="1" noEditPoints="1" noAdjustHandles="1" noChangeArrowheads="1" noChangeShapeType="1" noTextEdit="1"/>
+                </p:cNvSpPr>
+                <p:nvPr/>
+              </p:nvSpPr>
+              <p:spPr>
+                <a:xfrm>
+                  <a:off x="2078152" y="1011597"/>
+                  <a:ext cx="304186" cy="246221"/>
+                </a:xfrm>
+                <a:prstGeom prst="rect">
+                  <a:avLst/>
+                </a:prstGeom>
+                <a:blipFill>
+                  <a:blip r:embed="rId8"/>
+                  <a:stretch>
+                    <a:fillRect/>
+                  </a:stretch>
+                </a:blipFill>
+              </p:spPr>
+              <p:txBody>
+                <a:bodyPr/>
+                <a:lstStyle/>
+                <a:p>
+                  <a:r>
+                    <a:rPr lang="en-US">
+                      <a:noFill/>
+                    </a:rPr>
+                    <a:t> </a:t>
+                  </a:r>
+                </a:p>
+              </p:txBody>
+            </p:sp>
+          </mc:Fallback>
+        </mc:AlternateContent>
+        <mc:AlternateContent xmlns:mc="http://schemas.openxmlformats.org/markup-compatibility/2006">
+          <mc:Choice xmlns:a14="http://schemas.microsoft.com/office/drawing/2010/main" Requires="a14">
+            <p:sp>
+              <p:nvSpPr>
+                <p:cNvPr id="26" name="TextBox 25">
+                  <a:extLst>
+                    <a:ext uri="{FF2B5EF4-FFF2-40B4-BE49-F238E27FC236}">
+                      <a16:creationId xmlns:a16="http://schemas.microsoft.com/office/drawing/2014/main" id="{0A1234F0-C030-9F5C-4A51-4D8D52DA6A21}"/>
+                    </a:ext>
+                  </a:extLst>
+                </p:cNvPr>
+                <p:cNvSpPr txBox="1"/>
+                <p:nvPr/>
+              </p:nvSpPr>
+              <p:spPr>
+                <a:xfrm>
+                  <a:off x="2735377" y="1011597"/>
+                  <a:ext cx="293285" cy="246221"/>
+                </a:xfrm>
+                <a:prstGeom prst="rect">
+                  <a:avLst/>
+                </a:prstGeom>
+                <a:noFill/>
+              </p:spPr>
+              <p:txBody>
+                <a:bodyPr wrap="none" rtlCol="0">
+                  <a:spAutoFit/>
+                </a:bodyPr>
+                <a:lstStyle/>
+                <a:p>
+                  <a14:m>
+                    <m:oMathPara xmlns:m="http://schemas.openxmlformats.org/officeDocument/2006/math">
+                      <m:oMathParaPr>
+                        <m:jc m:val="centerGroup"/>
+                      </m:oMathParaPr>
+                      <m:oMath xmlns:m="http://schemas.openxmlformats.org/officeDocument/2006/math">
+                        <m:r>
+                          <a:rPr lang="en-US" sz="1000" b="0" i="1" smtClean="0">
+                            <a:latin typeface="Cambria Math" panose="02040503050406030204" pitchFamily="18" charset="0"/>
+                          </a:rPr>
+                          <m:t>𝑇</m:t>
+                        </m:r>
+                      </m:oMath>
+                    </m:oMathPara>
+                  </a14:m>
+                  <a:endParaRPr lang="en-US" sz="1000" dirty="0"/>
+                </a:p>
+              </p:txBody>
+            </p:sp>
+          </mc:Choice>
+          <mc:Fallback>
+            <p:sp>
+              <p:nvSpPr>
+                <p:cNvPr id="26" name="TextBox 25">
+                  <a:extLst>
+                    <a:ext uri="{FF2B5EF4-FFF2-40B4-BE49-F238E27FC236}">
+                      <a16:creationId xmlns:a16="http://schemas.microsoft.com/office/drawing/2014/main" id="{0A1234F0-C030-9F5C-4A51-4D8D52DA6A21}"/>
+                    </a:ext>
+                  </a:extLst>
+                </p:cNvPr>
+                <p:cNvSpPr txBox="1">
+                  <a:spLocks noRot="1" noChangeAspect="1" noMove="1" noResize="1" noEditPoints="1" noAdjustHandles="1" noChangeArrowheads="1" noChangeShapeType="1" noTextEdit="1"/>
+                </p:cNvSpPr>
+                <p:nvPr/>
+              </p:nvSpPr>
+              <p:spPr>
+                <a:xfrm>
+                  <a:off x="2735377" y="1011597"/>
+                  <a:ext cx="293285" cy="246221"/>
+                </a:xfrm>
+                <a:prstGeom prst="rect">
+                  <a:avLst/>
+                </a:prstGeom>
+                <a:blipFill>
+                  <a:blip r:embed="rId9"/>
+                  <a:stretch>
+                    <a:fillRect/>
+                  </a:stretch>
+                </a:blipFill>
+              </p:spPr>
+              <p:txBody>
+                <a:bodyPr/>
+                <a:lstStyle/>
+                <a:p>
+                  <a:r>
+                    <a:rPr lang="en-US">
+                      <a:noFill/>
+                    </a:rPr>
+                    <a:t> </a:t>
+                  </a:r>
+                </a:p>
+              </p:txBody>
+            </p:sp>
+          </mc:Fallback>
+        </mc:AlternateContent>
+        <mc:AlternateContent xmlns:mc="http://schemas.openxmlformats.org/markup-compatibility/2006">
+          <mc:Choice xmlns:a14="http://schemas.microsoft.com/office/drawing/2010/main" Requires="a14">
+            <p:sp>
+              <p:nvSpPr>
+                <p:cNvPr id="27" name="TextBox 26">
+                  <a:extLst>
+                    <a:ext uri="{FF2B5EF4-FFF2-40B4-BE49-F238E27FC236}">
+                      <a16:creationId xmlns:a16="http://schemas.microsoft.com/office/drawing/2014/main" id="{D3511468-54F6-5672-4911-B8C1AA9AB507}"/>
+                    </a:ext>
+                  </a:extLst>
+                </p:cNvPr>
+                <p:cNvSpPr txBox="1"/>
+                <p:nvPr/>
+              </p:nvSpPr>
+              <p:spPr>
+                <a:xfrm>
+                  <a:off x="3427527" y="1011597"/>
+                  <a:ext cx="297710" cy="246221"/>
+                </a:xfrm>
+                <a:prstGeom prst="rect">
+                  <a:avLst/>
+                </a:prstGeom>
+                <a:noFill/>
+              </p:spPr>
+              <p:txBody>
+                <a:bodyPr wrap="none" rtlCol="0">
+                  <a:spAutoFit/>
+                </a:bodyPr>
+                <a:lstStyle/>
+                <a:p>
+                  <a14:m>
+                    <m:oMathPara xmlns:m="http://schemas.openxmlformats.org/officeDocument/2006/math">
+                      <m:oMathParaPr>
+                        <m:jc m:val="centerGroup"/>
+                      </m:oMathParaPr>
+                      <m:oMath xmlns:m="http://schemas.openxmlformats.org/officeDocument/2006/math">
+                        <m:r>
+                          <a:rPr lang="en-US" sz="1000" b="0" i="1" smtClean="0">
+                            <a:latin typeface="Cambria Math" panose="02040503050406030204" pitchFamily="18" charset="0"/>
+                          </a:rPr>
+                          <m:t>𝑉</m:t>
+                        </m:r>
+                      </m:oMath>
+                    </m:oMathPara>
+                  </a14:m>
+                  <a:endParaRPr lang="en-US" sz="1000" dirty="0"/>
+                </a:p>
+              </p:txBody>
+            </p:sp>
+          </mc:Choice>
+          <mc:Fallback>
+            <p:sp>
+              <p:nvSpPr>
+                <p:cNvPr id="27" name="TextBox 26">
+                  <a:extLst>
+                    <a:ext uri="{FF2B5EF4-FFF2-40B4-BE49-F238E27FC236}">
+                      <a16:creationId xmlns:a16="http://schemas.microsoft.com/office/drawing/2014/main" id="{D3511468-54F6-5672-4911-B8C1AA9AB507}"/>
+                    </a:ext>
+                  </a:extLst>
+                </p:cNvPr>
+                <p:cNvSpPr txBox="1">
+                  <a:spLocks noRot="1" noChangeAspect="1" noMove="1" noResize="1" noEditPoints="1" noAdjustHandles="1" noChangeArrowheads="1" noChangeShapeType="1" noTextEdit="1"/>
+                </p:cNvSpPr>
+                <p:nvPr/>
+              </p:nvSpPr>
+              <p:spPr>
+                <a:xfrm>
+                  <a:off x="3427527" y="1011597"/>
+                  <a:ext cx="297710" cy="246221"/>
+                </a:xfrm>
+                <a:prstGeom prst="rect">
+                  <a:avLst/>
+                </a:prstGeom>
+                <a:blipFill>
+                  <a:blip r:embed="rId10"/>
+                  <a:stretch>
+                    <a:fillRect/>
+                  </a:stretch>
+                </a:blipFill>
+              </p:spPr>
+              <p:txBody>
+                <a:bodyPr/>
+                <a:lstStyle/>
+                <a:p>
+                  <a:r>
+                    <a:rPr lang="en-US">
+                      <a:noFill/>
+                    </a:rPr>
+                    <a:t> </a:t>
+                  </a:r>
+                </a:p>
+              </p:txBody>
+            </p:sp>
+          </mc:Fallback>
+        </mc:AlternateContent>
+        <p:cxnSp>
+          <p:nvCxnSpPr>
+            <p:cNvPr id="29" name="Straight Arrow Connector 28">
+              <a:extLst>
+                <a:ext uri="{FF2B5EF4-FFF2-40B4-BE49-F238E27FC236}">
+                  <a16:creationId xmlns:a16="http://schemas.microsoft.com/office/drawing/2014/main" id="{5D8419C6-9C5B-5685-7BF5-E9E5BAC925D8}"/>
+                </a:ext>
+              </a:extLst>
+            </p:cNvPr>
+            <p:cNvCxnSpPr>
+              <a:cxnSpLocks/>
+            </p:cNvCxnSpPr>
+            <p:nvPr/>
+          </p:nvCxnSpPr>
+          <p:spPr>
+            <a:xfrm>
+              <a:off x="2257469" y="1204556"/>
+              <a:ext cx="249737" cy="354369"/>
+            </a:xfrm>
+            <a:prstGeom prst="straightConnector1">
+              <a:avLst/>
+            </a:prstGeom>
+            <a:ln>
+              <a:tailEnd type="triangle"/>
+            </a:ln>
+          </p:spPr>
+          <p:style>
+            <a:lnRef idx="1">
+              <a:schemeClr val="accent1"/>
+            </a:lnRef>
+            <a:fillRef idx="0">
+              <a:schemeClr val="accent1"/>
+            </a:fillRef>
+            <a:effectRef idx="0">
+              <a:schemeClr val="accent1"/>
+            </a:effectRef>
+            <a:fontRef idx="minor">
+              <a:schemeClr val="tx1"/>
+            </a:fontRef>
+          </p:style>
+        </p:cxnSp>
+        <p:cxnSp>
+          <p:nvCxnSpPr>
+            <p:cNvPr id="32" name="Straight Arrow Connector 31">
+              <a:extLst>
+                <a:ext uri="{FF2B5EF4-FFF2-40B4-BE49-F238E27FC236}">
+                  <a16:creationId xmlns:a16="http://schemas.microsoft.com/office/drawing/2014/main" id="{FC16AF90-9C26-8C61-2530-20D9D50EADBB}"/>
+                </a:ext>
+              </a:extLst>
+            </p:cNvPr>
+            <p:cNvCxnSpPr>
+              <a:cxnSpLocks/>
+            </p:cNvCxnSpPr>
+            <p:nvPr/>
+          </p:nvCxnSpPr>
+          <p:spPr>
+            <a:xfrm flipH="1">
+              <a:off x="2632028" y="1208248"/>
+              <a:ext cx="222442" cy="363184"/>
+            </a:xfrm>
+            <a:prstGeom prst="straightConnector1">
+              <a:avLst/>
+            </a:prstGeom>
+            <a:ln>
+              <a:tailEnd type="triangle"/>
+            </a:ln>
+          </p:spPr>
+          <p:style>
+            <a:lnRef idx="1">
+              <a:schemeClr val="accent1"/>
+            </a:lnRef>
+            <a:fillRef idx="0">
+              <a:schemeClr val="accent1"/>
+            </a:fillRef>
+            <a:effectRef idx="0">
+              <a:schemeClr val="accent1"/>
+            </a:effectRef>
+            <a:fontRef idx="minor">
+              <a:schemeClr val="tx1"/>
+            </a:fontRef>
+          </p:style>
+        </p:cxnSp>
+        <p:cxnSp>
+          <p:nvCxnSpPr>
+            <p:cNvPr id="35" name="Straight Arrow Connector 34">
+              <a:extLst>
+                <a:ext uri="{FF2B5EF4-FFF2-40B4-BE49-F238E27FC236}">
+                  <a16:creationId xmlns:a16="http://schemas.microsoft.com/office/drawing/2014/main" id="{7CF246AD-F4A6-D157-B027-170614635768}"/>
+                </a:ext>
+              </a:extLst>
+            </p:cNvPr>
+            <p:cNvCxnSpPr>
+              <a:cxnSpLocks/>
+            </p:cNvCxnSpPr>
+            <p:nvPr/>
+          </p:nvCxnSpPr>
+          <p:spPr>
+            <a:xfrm>
+              <a:off x="2906071" y="1179156"/>
+              <a:ext cx="249737" cy="354369"/>
+            </a:xfrm>
+            <a:prstGeom prst="straightConnector1">
+              <a:avLst/>
+            </a:prstGeom>
+            <a:ln>
+              <a:tailEnd type="triangle"/>
+            </a:ln>
+          </p:spPr>
+          <p:style>
+            <a:lnRef idx="1">
+              <a:schemeClr val="accent1"/>
+            </a:lnRef>
+            <a:fillRef idx="0">
+              <a:schemeClr val="accent1"/>
+            </a:fillRef>
+            <a:effectRef idx="0">
+              <a:schemeClr val="accent1"/>
+            </a:effectRef>
+            <a:fontRef idx="minor">
+              <a:schemeClr val="tx1"/>
+            </a:fontRef>
+          </p:style>
+        </p:cxnSp>
+        <p:cxnSp>
+          <p:nvCxnSpPr>
+            <p:cNvPr id="36" name="Straight Arrow Connector 35">
+              <a:extLst>
+                <a:ext uri="{FF2B5EF4-FFF2-40B4-BE49-F238E27FC236}">
+                  <a16:creationId xmlns:a16="http://schemas.microsoft.com/office/drawing/2014/main" id="{79B74F88-F6DA-6060-7D7C-348FFBE64A1F}"/>
+                </a:ext>
+              </a:extLst>
+            </p:cNvPr>
+            <p:cNvCxnSpPr>
+              <a:cxnSpLocks/>
+            </p:cNvCxnSpPr>
+            <p:nvPr/>
+          </p:nvCxnSpPr>
+          <p:spPr>
+            <a:xfrm flipH="1">
+              <a:off x="3288500" y="1208441"/>
+              <a:ext cx="222442" cy="363184"/>
+            </a:xfrm>
+            <a:prstGeom prst="straightConnector1">
+              <a:avLst/>
+            </a:prstGeom>
+            <a:ln>
+              <a:tailEnd type="triangle"/>
+            </a:ln>
+          </p:spPr>
+          <p:style>
+            <a:lnRef idx="1">
+              <a:schemeClr val="accent1"/>
+            </a:lnRef>
+            <a:fillRef idx="0">
+              <a:schemeClr val="accent1"/>
+            </a:fillRef>
+            <a:effectRef idx="0">
+              <a:schemeClr val="accent1"/>
+            </a:effectRef>
+            <a:fontRef idx="minor">
+              <a:schemeClr val="tx1"/>
+            </a:fontRef>
+          </p:style>
+        </p:cxnSp>
+      </p:grpSp>
     </p:spTree>
     <p:extLst>
       <p:ext uri="{BB962C8B-B14F-4D97-AF65-F5344CB8AC3E}">

--- a/docs/FiguresForLatentVariableModeling.pptx
+++ b/docs/FiguresForLatentVariableModeling.pptx
@@ -3335,7 +3335,7 @@
         </p:nvGrpSpPr>
         <p:grpSpPr>
           <a:xfrm>
-            <a:off x="4380027" y="2278421"/>
+            <a:off x="4364152" y="2599096"/>
             <a:ext cx="1441721" cy="757396"/>
             <a:chOff x="4380027" y="2278421"/>
             <a:chExt cx="1441721" cy="757396"/>
@@ -3903,7 +3903,7 @@
         </p:nvGrpSpPr>
         <p:grpSpPr>
           <a:xfrm>
-            <a:off x="2078152" y="1011597"/>
+            <a:off x="570027" y="983022"/>
             <a:ext cx="1647085" cy="709771"/>
             <a:chOff x="2078152" y="1011597"/>
             <a:chExt cx="1647085" cy="709771"/>
@@ -4549,6 +4549,763 @@
           </p:style>
         </p:cxnSp>
       </p:grpSp>
+      <p:grpSp>
+        <p:nvGrpSpPr>
+          <p:cNvPr id="60" name="Group 59">
+            <a:extLst>
+              <a:ext uri="{FF2B5EF4-FFF2-40B4-BE49-F238E27FC236}">
+                <a16:creationId xmlns:a16="http://schemas.microsoft.com/office/drawing/2014/main" id="{C23B9A6E-3AAC-9DCA-46F1-2C107AC7FC51}"/>
+              </a:ext>
+            </a:extLst>
+          </p:cNvPr>
+          <p:cNvGrpSpPr/>
+          <p:nvPr/>
+        </p:nvGrpSpPr>
+        <p:grpSpPr>
+          <a:xfrm>
+            <a:off x="2871771" y="863791"/>
+            <a:ext cx="1479786" cy="760843"/>
+            <a:chOff x="2871771" y="863791"/>
+            <a:chExt cx="1479786" cy="760843"/>
+          </a:xfrm>
+        </p:grpSpPr>
+        <mc:AlternateContent xmlns:mc="http://schemas.openxmlformats.org/markup-compatibility/2006">
+          <mc:Choice xmlns:a14="http://schemas.microsoft.com/office/drawing/2010/main" Requires="a14">
+            <p:sp>
+              <p:nvSpPr>
+                <p:cNvPr id="38" name="TextBox 37">
+                  <a:extLst>
+                    <a:ext uri="{FF2B5EF4-FFF2-40B4-BE49-F238E27FC236}">
+                      <a16:creationId xmlns:a16="http://schemas.microsoft.com/office/drawing/2014/main" id="{FF963BCE-451D-3483-228E-9B0C94745328}"/>
+                    </a:ext>
+                  </a:extLst>
+                </p:cNvPr>
+                <p:cNvSpPr txBox="1"/>
+                <p:nvPr/>
+              </p:nvSpPr>
+              <p:spPr>
+                <a:xfrm>
+                  <a:off x="2871771" y="956196"/>
+                  <a:ext cx="352148" cy="246221"/>
+                </a:xfrm>
+                <a:prstGeom prst="rect">
+                  <a:avLst/>
+                </a:prstGeom>
+                <a:noFill/>
+              </p:spPr>
+              <p:txBody>
+                <a:bodyPr wrap="none" rtlCol="0">
+                  <a:spAutoFit/>
+                </a:bodyPr>
+                <a:lstStyle/>
+                <a:p>
+                  <a14:m>
+                    <m:oMathPara xmlns:m="http://schemas.openxmlformats.org/officeDocument/2006/math">
+                      <m:oMathParaPr>
+                        <m:jc m:val="centerGroup"/>
+                      </m:oMathParaPr>
+                      <m:oMath xmlns:m="http://schemas.openxmlformats.org/officeDocument/2006/math">
+                        <m:sSub>
+                          <m:sSubPr>
+                            <m:ctrlPr>
+                              <a:rPr lang="en-US" sz="1000" b="0" i="1" smtClean="0">
+                                <a:latin typeface="Cambria Math" panose="02040503050406030204" pitchFamily="18" charset="0"/>
+                              </a:rPr>
+                            </m:ctrlPr>
+                          </m:sSubPr>
+                          <m:e>
+                            <m:r>
+                              <a:rPr lang="en-US" sz="1000" b="0" i="1" smtClean="0">
+                                <a:latin typeface="Cambria Math" panose="02040503050406030204" pitchFamily="18" charset="0"/>
+                              </a:rPr>
+                              <m:t>𝐴</m:t>
+                            </m:r>
+                          </m:e>
+                          <m:sub>
+                            <m:r>
+                              <a:rPr lang="en-US" sz="1000" b="0" i="1" smtClean="0">
+                                <a:latin typeface="Cambria Math" panose="02040503050406030204" pitchFamily="18" charset="0"/>
+                              </a:rPr>
+                              <m:t>1</m:t>
+                            </m:r>
+                          </m:sub>
+                        </m:sSub>
+                      </m:oMath>
+                    </m:oMathPara>
+                  </a14:m>
+                  <a:endParaRPr lang="en-US" sz="1000" dirty="0"/>
+                </a:p>
+              </p:txBody>
+            </p:sp>
+          </mc:Choice>
+          <mc:Fallback>
+            <p:sp>
+              <p:nvSpPr>
+                <p:cNvPr id="38" name="TextBox 37">
+                  <a:extLst>
+                    <a:ext uri="{FF2B5EF4-FFF2-40B4-BE49-F238E27FC236}">
+                      <a16:creationId xmlns:a16="http://schemas.microsoft.com/office/drawing/2014/main" id="{FF963BCE-451D-3483-228E-9B0C94745328}"/>
+                    </a:ext>
+                  </a:extLst>
+                </p:cNvPr>
+                <p:cNvSpPr txBox="1">
+                  <a:spLocks noRot="1" noChangeAspect="1" noMove="1" noResize="1" noEditPoints="1" noAdjustHandles="1" noChangeArrowheads="1" noChangeShapeType="1" noTextEdit="1"/>
+                </p:cNvSpPr>
+                <p:nvPr/>
+              </p:nvSpPr>
+              <p:spPr>
+                <a:xfrm>
+                  <a:off x="2871771" y="956196"/>
+                  <a:ext cx="352148" cy="246221"/>
+                </a:xfrm>
+                <a:prstGeom prst="rect">
+                  <a:avLst/>
+                </a:prstGeom>
+                <a:blipFill>
+                  <a:blip r:embed="rId11"/>
+                  <a:stretch>
+                    <a:fillRect/>
+                  </a:stretch>
+                </a:blipFill>
+              </p:spPr>
+              <p:txBody>
+                <a:bodyPr/>
+                <a:lstStyle/>
+                <a:p>
+                  <a:r>
+                    <a:rPr lang="en-US">
+                      <a:noFill/>
+                    </a:rPr>
+                    <a:t> </a:t>
+                  </a:r>
+                </a:p>
+              </p:txBody>
+            </p:sp>
+          </mc:Fallback>
+        </mc:AlternateContent>
+        <mc:AlternateContent xmlns:mc="http://schemas.openxmlformats.org/markup-compatibility/2006">
+          <mc:Choice xmlns:a14="http://schemas.microsoft.com/office/drawing/2010/main" Requires="a14">
+            <p:sp>
+              <p:nvSpPr>
+                <p:cNvPr id="39" name="TextBox 38">
+                  <a:extLst>
+                    <a:ext uri="{FF2B5EF4-FFF2-40B4-BE49-F238E27FC236}">
+                      <a16:creationId xmlns:a16="http://schemas.microsoft.com/office/drawing/2014/main" id="{E9C81D24-B6AD-C36A-C814-2B6C8C956CFF}"/>
+                    </a:ext>
+                  </a:extLst>
+                </p:cNvPr>
+                <p:cNvSpPr txBox="1"/>
+                <p:nvPr/>
+              </p:nvSpPr>
+              <p:spPr>
+                <a:xfrm>
+                  <a:off x="3568346" y="956196"/>
+                  <a:ext cx="352148" cy="246221"/>
+                </a:xfrm>
+                <a:prstGeom prst="rect">
+                  <a:avLst/>
+                </a:prstGeom>
+                <a:noFill/>
+              </p:spPr>
+              <p:txBody>
+                <a:bodyPr wrap="none" rtlCol="0">
+                  <a:spAutoFit/>
+                </a:bodyPr>
+                <a:lstStyle/>
+                <a:p>
+                  <a14:m>
+                    <m:oMathPara xmlns:m="http://schemas.openxmlformats.org/officeDocument/2006/math">
+                      <m:oMathParaPr>
+                        <m:jc m:val="centerGroup"/>
+                      </m:oMathParaPr>
+                      <m:oMath xmlns:m="http://schemas.openxmlformats.org/officeDocument/2006/math">
+                        <m:sSub>
+                          <m:sSubPr>
+                            <m:ctrlPr>
+                              <a:rPr lang="en-US" sz="1000" b="0" i="1" smtClean="0">
+                                <a:latin typeface="Cambria Math" panose="02040503050406030204" pitchFamily="18" charset="0"/>
+                              </a:rPr>
+                            </m:ctrlPr>
+                          </m:sSubPr>
+                          <m:e>
+                            <m:r>
+                              <a:rPr lang="en-US" sz="1000" b="0" i="1" smtClean="0">
+                                <a:latin typeface="Cambria Math" panose="02040503050406030204" pitchFamily="18" charset="0"/>
+                              </a:rPr>
+                              <m:t>𝐴</m:t>
+                            </m:r>
+                          </m:e>
+                          <m:sub>
+                            <m:r>
+                              <a:rPr lang="en-US" sz="1000" b="0" i="1" smtClean="0">
+                                <a:latin typeface="Cambria Math" panose="02040503050406030204" pitchFamily="18" charset="0"/>
+                              </a:rPr>
+                              <m:t>2</m:t>
+                            </m:r>
+                          </m:sub>
+                        </m:sSub>
+                      </m:oMath>
+                    </m:oMathPara>
+                  </a14:m>
+                  <a:endParaRPr lang="en-US" sz="1000" dirty="0"/>
+                </a:p>
+              </p:txBody>
+            </p:sp>
+          </mc:Choice>
+          <mc:Fallback>
+            <p:sp>
+              <p:nvSpPr>
+                <p:cNvPr id="39" name="TextBox 38">
+                  <a:extLst>
+                    <a:ext uri="{FF2B5EF4-FFF2-40B4-BE49-F238E27FC236}">
+                      <a16:creationId xmlns:a16="http://schemas.microsoft.com/office/drawing/2014/main" id="{E9C81D24-B6AD-C36A-C814-2B6C8C956CFF}"/>
+                    </a:ext>
+                  </a:extLst>
+                </p:cNvPr>
+                <p:cNvSpPr txBox="1">
+                  <a:spLocks noRot="1" noChangeAspect="1" noMove="1" noResize="1" noEditPoints="1" noAdjustHandles="1" noChangeArrowheads="1" noChangeShapeType="1" noTextEdit="1"/>
+                </p:cNvSpPr>
+                <p:nvPr/>
+              </p:nvSpPr>
+              <p:spPr>
+                <a:xfrm>
+                  <a:off x="3568346" y="956196"/>
+                  <a:ext cx="352148" cy="246221"/>
+                </a:xfrm>
+                <a:prstGeom prst="rect">
+                  <a:avLst/>
+                </a:prstGeom>
+                <a:blipFill>
+                  <a:blip r:embed="rId12"/>
+                  <a:stretch>
+                    <a:fillRect/>
+                  </a:stretch>
+                </a:blipFill>
+              </p:spPr>
+              <p:txBody>
+                <a:bodyPr/>
+                <a:lstStyle/>
+                <a:p>
+                  <a:r>
+                    <a:rPr lang="en-US">
+                      <a:noFill/>
+                    </a:rPr>
+                    <a:t> </a:t>
+                  </a:r>
+                </a:p>
+              </p:txBody>
+            </p:sp>
+          </mc:Fallback>
+        </mc:AlternateContent>
+        <mc:AlternateContent xmlns:mc="http://schemas.openxmlformats.org/markup-compatibility/2006">
+          <mc:Choice xmlns:a14="http://schemas.microsoft.com/office/drawing/2010/main" Requires="a14">
+            <p:sp>
+              <p:nvSpPr>
+                <p:cNvPr id="40" name="TextBox 39">
+                  <a:extLst>
+                    <a:ext uri="{FF2B5EF4-FFF2-40B4-BE49-F238E27FC236}">
+                      <a16:creationId xmlns:a16="http://schemas.microsoft.com/office/drawing/2014/main" id="{E64155CE-CF13-8F1F-010E-EE165E5C0178}"/>
+                    </a:ext>
+                  </a:extLst>
+                </p:cNvPr>
+                <p:cNvSpPr txBox="1"/>
+                <p:nvPr/>
+              </p:nvSpPr>
+              <p:spPr>
+                <a:xfrm>
+                  <a:off x="2871771" y="1294692"/>
+                  <a:ext cx="349711" cy="246221"/>
+                </a:xfrm>
+                <a:prstGeom prst="rect">
+                  <a:avLst/>
+                </a:prstGeom>
+                <a:noFill/>
+              </p:spPr>
+              <p:txBody>
+                <a:bodyPr wrap="none" rtlCol="0">
+                  <a:spAutoFit/>
+                </a:bodyPr>
+                <a:lstStyle/>
+                <a:p>
+                  <a14:m>
+                    <m:oMathPara xmlns:m="http://schemas.openxmlformats.org/officeDocument/2006/math">
+                      <m:oMathParaPr>
+                        <m:jc m:val="centerGroup"/>
+                      </m:oMathParaPr>
+                      <m:oMath xmlns:m="http://schemas.openxmlformats.org/officeDocument/2006/math">
+                        <m:sSub>
+                          <m:sSubPr>
+                            <m:ctrlPr>
+                              <a:rPr lang="en-US" sz="1000" b="0" i="1" smtClean="0">
+                                <a:latin typeface="Cambria Math" panose="02040503050406030204" pitchFamily="18" charset="0"/>
+                              </a:rPr>
+                            </m:ctrlPr>
+                          </m:sSubPr>
+                          <m:e>
+                            <m:r>
+                              <a:rPr lang="en-US" sz="1000" b="0" i="1" smtClean="0">
+                                <a:latin typeface="Cambria Math" panose="02040503050406030204" pitchFamily="18" charset="0"/>
+                              </a:rPr>
+                              <m:t>𝐵</m:t>
+                            </m:r>
+                          </m:e>
+                          <m:sub>
+                            <m:r>
+                              <a:rPr lang="en-US" sz="1000" b="0" i="1" smtClean="0">
+                                <a:latin typeface="Cambria Math" panose="02040503050406030204" pitchFamily="18" charset="0"/>
+                              </a:rPr>
+                              <m:t>1</m:t>
+                            </m:r>
+                          </m:sub>
+                        </m:sSub>
+                      </m:oMath>
+                    </m:oMathPara>
+                  </a14:m>
+                  <a:endParaRPr lang="en-US" sz="1000" dirty="0"/>
+                </a:p>
+              </p:txBody>
+            </p:sp>
+          </mc:Choice>
+          <mc:Fallback>
+            <p:sp>
+              <p:nvSpPr>
+                <p:cNvPr id="40" name="TextBox 39">
+                  <a:extLst>
+                    <a:ext uri="{FF2B5EF4-FFF2-40B4-BE49-F238E27FC236}">
+                      <a16:creationId xmlns:a16="http://schemas.microsoft.com/office/drawing/2014/main" id="{E64155CE-CF13-8F1F-010E-EE165E5C0178}"/>
+                    </a:ext>
+                  </a:extLst>
+                </p:cNvPr>
+                <p:cNvSpPr txBox="1">
+                  <a:spLocks noRot="1" noChangeAspect="1" noMove="1" noResize="1" noEditPoints="1" noAdjustHandles="1" noChangeArrowheads="1" noChangeShapeType="1" noTextEdit="1"/>
+                </p:cNvSpPr>
+                <p:nvPr/>
+              </p:nvSpPr>
+              <p:spPr>
+                <a:xfrm>
+                  <a:off x="2871771" y="1294692"/>
+                  <a:ext cx="349711" cy="246221"/>
+                </a:xfrm>
+                <a:prstGeom prst="rect">
+                  <a:avLst/>
+                </a:prstGeom>
+                <a:blipFill>
+                  <a:blip r:embed="rId13"/>
+                  <a:stretch>
+                    <a:fillRect/>
+                  </a:stretch>
+                </a:blipFill>
+              </p:spPr>
+              <p:txBody>
+                <a:bodyPr/>
+                <a:lstStyle/>
+                <a:p>
+                  <a:r>
+                    <a:rPr lang="en-US">
+                      <a:noFill/>
+                    </a:rPr>
+                    <a:t> </a:t>
+                  </a:r>
+                </a:p>
+              </p:txBody>
+            </p:sp>
+          </mc:Fallback>
+        </mc:AlternateContent>
+        <mc:AlternateContent xmlns:mc="http://schemas.openxmlformats.org/markup-compatibility/2006">
+          <mc:Choice xmlns:a14="http://schemas.microsoft.com/office/drawing/2010/main" Requires="a14">
+            <p:sp>
+              <p:nvSpPr>
+                <p:cNvPr id="41" name="TextBox 40">
+                  <a:extLst>
+                    <a:ext uri="{FF2B5EF4-FFF2-40B4-BE49-F238E27FC236}">
+                      <a16:creationId xmlns:a16="http://schemas.microsoft.com/office/drawing/2014/main" id="{A387B35C-E197-CF6A-B928-40B2C94168AB}"/>
+                    </a:ext>
+                  </a:extLst>
+                </p:cNvPr>
+                <p:cNvSpPr txBox="1"/>
+                <p:nvPr/>
+              </p:nvSpPr>
+              <p:spPr>
+                <a:xfrm>
+                  <a:off x="3998896" y="1296639"/>
+                  <a:ext cx="352661" cy="246221"/>
+                </a:xfrm>
+                <a:prstGeom prst="rect">
+                  <a:avLst/>
+                </a:prstGeom>
+                <a:noFill/>
+              </p:spPr>
+              <p:txBody>
+                <a:bodyPr wrap="none" rtlCol="0">
+                  <a:spAutoFit/>
+                </a:bodyPr>
+                <a:lstStyle/>
+                <a:p>
+                  <a14:m>
+                    <m:oMathPara xmlns:m="http://schemas.openxmlformats.org/officeDocument/2006/math">
+                      <m:oMathParaPr>
+                        <m:jc m:val="centerGroup"/>
+                      </m:oMathParaPr>
+                      <m:oMath xmlns:m="http://schemas.openxmlformats.org/officeDocument/2006/math">
+                        <m:sSub>
+                          <m:sSubPr>
+                            <m:ctrlPr>
+                              <a:rPr lang="en-US" sz="1000" b="0" i="1" smtClean="0">
+                                <a:latin typeface="Cambria Math" panose="02040503050406030204" pitchFamily="18" charset="0"/>
+                              </a:rPr>
+                            </m:ctrlPr>
+                          </m:sSubPr>
+                          <m:e>
+                            <m:r>
+                              <a:rPr lang="en-US" sz="1000" b="0" i="1" smtClean="0">
+                                <a:latin typeface="Cambria Math" panose="02040503050406030204" pitchFamily="18" charset="0"/>
+                              </a:rPr>
+                              <m:t>𝐵</m:t>
+                            </m:r>
+                          </m:e>
+                          <m:sub>
+                            <m:r>
+                              <a:rPr lang="en-US" sz="1000" b="0" i="1" smtClean="0">
+                                <a:latin typeface="Cambria Math" panose="02040503050406030204" pitchFamily="18" charset="0"/>
+                              </a:rPr>
+                              <m:t>3</m:t>
+                            </m:r>
+                          </m:sub>
+                        </m:sSub>
+                      </m:oMath>
+                    </m:oMathPara>
+                  </a14:m>
+                  <a:endParaRPr lang="en-US" sz="1000" dirty="0"/>
+                </a:p>
+              </p:txBody>
+            </p:sp>
+          </mc:Choice>
+          <mc:Fallback>
+            <p:sp>
+              <p:nvSpPr>
+                <p:cNvPr id="41" name="TextBox 40">
+                  <a:extLst>
+                    <a:ext uri="{FF2B5EF4-FFF2-40B4-BE49-F238E27FC236}">
+                      <a16:creationId xmlns:a16="http://schemas.microsoft.com/office/drawing/2014/main" id="{A387B35C-E197-CF6A-B928-40B2C94168AB}"/>
+                    </a:ext>
+                  </a:extLst>
+                </p:cNvPr>
+                <p:cNvSpPr txBox="1">
+                  <a:spLocks noRot="1" noChangeAspect="1" noMove="1" noResize="1" noEditPoints="1" noAdjustHandles="1" noChangeArrowheads="1" noChangeShapeType="1" noTextEdit="1"/>
+                </p:cNvSpPr>
+                <p:nvPr/>
+              </p:nvSpPr>
+              <p:spPr>
+                <a:xfrm>
+                  <a:off x="3998896" y="1296639"/>
+                  <a:ext cx="352661" cy="246221"/>
+                </a:xfrm>
+                <a:prstGeom prst="rect">
+                  <a:avLst/>
+                </a:prstGeom>
+                <a:blipFill>
+                  <a:blip r:embed="rId14"/>
+                  <a:stretch>
+                    <a:fillRect/>
+                  </a:stretch>
+                </a:blipFill>
+              </p:spPr>
+              <p:txBody>
+                <a:bodyPr/>
+                <a:lstStyle/>
+                <a:p>
+                  <a:r>
+                    <a:rPr lang="en-US">
+                      <a:noFill/>
+                    </a:rPr>
+                    <a:t> </a:t>
+                  </a:r>
+                </a:p>
+              </p:txBody>
+            </p:sp>
+          </mc:Fallback>
+        </mc:AlternateContent>
+        <p:cxnSp>
+          <p:nvCxnSpPr>
+            <p:cNvPr id="43" name="Curved Connector 42">
+              <a:extLst>
+                <a:ext uri="{FF2B5EF4-FFF2-40B4-BE49-F238E27FC236}">
+                  <a16:creationId xmlns:a16="http://schemas.microsoft.com/office/drawing/2014/main" id="{F1149656-4836-3C28-4302-F5E802659E9F}"/>
+                </a:ext>
+              </a:extLst>
+            </p:cNvPr>
+            <p:cNvCxnSpPr>
+              <a:cxnSpLocks/>
+            </p:cNvCxnSpPr>
+            <p:nvPr/>
+          </p:nvCxnSpPr>
+          <p:spPr>
+            <a:xfrm rot="10800000" flipV="1">
+              <a:off x="2925904" y="1079306"/>
+              <a:ext cx="12700" cy="338496"/>
+            </a:xfrm>
+            <a:prstGeom prst="curvedConnector3">
+              <a:avLst>
+                <a:gd name="adj1" fmla="val 1800000"/>
+              </a:avLst>
+            </a:prstGeom>
+            <a:ln>
+              <a:headEnd type="triangle"/>
+              <a:tailEnd type="triangle"/>
+            </a:ln>
+          </p:spPr>
+          <p:style>
+            <a:lnRef idx="1">
+              <a:schemeClr val="accent1"/>
+            </a:lnRef>
+            <a:fillRef idx="0">
+              <a:schemeClr val="accent1"/>
+            </a:fillRef>
+            <a:effectRef idx="0">
+              <a:schemeClr val="accent1"/>
+            </a:effectRef>
+            <a:fontRef idx="minor">
+              <a:schemeClr val="tx1"/>
+            </a:fontRef>
+          </p:style>
+        </p:cxnSp>
+        <p:cxnSp>
+          <p:nvCxnSpPr>
+            <p:cNvPr id="45" name="Straight Arrow Connector 44">
+              <a:extLst>
+                <a:ext uri="{FF2B5EF4-FFF2-40B4-BE49-F238E27FC236}">
+                  <a16:creationId xmlns:a16="http://schemas.microsoft.com/office/drawing/2014/main" id="{8D81B412-5406-C0EE-FEE4-9143EDFB08FE}"/>
+                </a:ext>
+              </a:extLst>
+            </p:cNvPr>
+            <p:cNvCxnSpPr/>
+            <p:nvPr/>
+          </p:nvCxnSpPr>
+          <p:spPr>
+            <a:xfrm>
+              <a:off x="3097426" y="1079306"/>
+              <a:ext cx="550649" cy="0"/>
+            </a:xfrm>
+            <a:prstGeom prst="straightConnector1">
+              <a:avLst/>
+            </a:prstGeom>
+            <a:ln>
+              <a:tailEnd type="triangle"/>
+            </a:ln>
+          </p:spPr>
+          <p:style>
+            <a:lnRef idx="1">
+              <a:schemeClr val="accent1"/>
+            </a:lnRef>
+            <a:fillRef idx="0">
+              <a:schemeClr val="accent1"/>
+            </a:fillRef>
+            <a:effectRef idx="0">
+              <a:schemeClr val="accent1"/>
+            </a:effectRef>
+            <a:fontRef idx="minor">
+              <a:schemeClr val="tx1"/>
+            </a:fontRef>
+          </p:style>
+        </p:cxnSp>
+        <p:cxnSp>
+          <p:nvCxnSpPr>
+            <p:cNvPr id="47" name="Straight Arrow Connector 46">
+              <a:extLst>
+                <a:ext uri="{FF2B5EF4-FFF2-40B4-BE49-F238E27FC236}">
+                  <a16:creationId xmlns:a16="http://schemas.microsoft.com/office/drawing/2014/main" id="{87F84A66-A0D4-AD3C-CF12-FB16329028F3}"/>
+                </a:ext>
+              </a:extLst>
+            </p:cNvPr>
+            <p:cNvCxnSpPr>
+              <a:cxnSpLocks/>
+            </p:cNvCxnSpPr>
+            <p:nvPr/>
+          </p:nvCxnSpPr>
+          <p:spPr>
+            <a:xfrm>
+              <a:off x="3107157" y="1417802"/>
+              <a:ext cx="983279" cy="0"/>
+            </a:xfrm>
+            <a:prstGeom prst="straightConnector1">
+              <a:avLst/>
+            </a:prstGeom>
+            <a:ln>
+              <a:tailEnd type="triangle"/>
+            </a:ln>
+          </p:spPr>
+          <p:style>
+            <a:lnRef idx="1">
+              <a:schemeClr val="accent1"/>
+            </a:lnRef>
+            <a:fillRef idx="0">
+              <a:schemeClr val="accent1"/>
+            </a:fillRef>
+            <a:effectRef idx="0">
+              <a:schemeClr val="accent1"/>
+            </a:effectRef>
+            <a:fontRef idx="minor">
+              <a:schemeClr val="tx1"/>
+            </a:fontRef>
+          </p:style>
+        </p:cxnSp>
+        <p:cxnSp>
+          <p:nvCxnSpPr>
+            <p:cNvPr id="51" name="Straight Arrow Connector 50">
+              <a:extLst>
+                <a:ext uri="{FF2B5EF4-FFF2-40B4-BE49-F238E27FC236}">
+                  <a16:creationId xmlns:a16="http://schemas.microsoft.com/office/drawing/2014/main" id="{B91579F4-ECC2-3BD5-4245-D3D7C6F5402A}"/>
+                </a:ext>
+              </a:extLst>
+            </p:cNvPr>
+            <p:cNvCxnSpPr/>
+            <p:nvPr/>
+          </p:nvCxnSpPr>
+          <p:spPr>
+            <a:xfrm>
+              <a:off x="3827069" y="1094402"/>
+              <a:ext cx="317500" cy="269681"/>
+            </a:xfrm>
+            <a:prstGeom prst="straightConnector1">
+              <a:avLst/>
+            </a:prstGeom>
+            <a:ln>
+              <a:tailEnd type="triangle"/>
+            </a:ln>
+          </p:spPr>
+          <p:style>
+            <a:lnRef idx="1">
+              <a:schemeClr val="accent1"/>
+            </a:lnRef>
+            <a:fillRef idx="0">
+              <a:schemeClr val="accent1"/>
+            </a:fillRef>
+            <a:effectRef idx="0">
+              <a:schemeClr val="accent1"/>
+            </a:effectRef>
+            <a:fontRef idx="minor">
+              <a:schemeClr val="tx1"/>
+            </a:fontRef>
+          </p:style>
+        </p:cxnSp>
+        <p:cxnSp>
+          <p:nvCxnSpPr>
+            <p:cNvPr id="53" name="Straight Arrow Connector 52">
+              <a:extLst>
+                <a:ext uri="{FF2B5EF4-FFF2-40B4-BE49-F238E27FC236}">
+                  <a16:creationId xmlns:a16="http://schemas.microsoft.com/office/drawing/2014/main" id="{BA7A65A4-6FFA-83FD-0367-70D87E183BB5}"/>
+                </a:ext>
+              </a:extLst>
+            </p:cNvPr>
+            <p:cNvCxnSpPr/>
+            <p:nvPr/>
+          </p:nvCxnSpPr>
+          <p:spPr>
+            <a:xfrm flipV="1">
+              <a:off x="3105577" y="1124886"/>
+              <a:ext cx="571500" cy="278172"/>
+            </a:xfrm>
+            <a:prstGeom prst="straightConnector1">
+              <a:avLst/>
+            </a:prstGeom>
+            <a:ln>
+              <a:tailEnd type="triangle"/>
+            </a:ln>
+          </p:spPr>
+          <p:style>
+            <a:lnRef idx="1">
+              <a:schemeClr val="accent1"/>
+            </a:lnRef>
+            <a:fillRef idx="0">
+              <a:schemeClr val="accent1"/>
+            </a:fillRef>
+            <a:effectRef idx="0">
+              <a:schemeClr val="accent1"/>
+            </a:effectRef>
+            <a:fontRef idx="minor">
+              <a:schemeClr val="tx1"/>
+            </a:fontRef>
+          </p:style>
+        </p:cxnSp>
+        <p:cxnSp>
+          <p:nvCxnSpPr>
+            <p:cNvPr id="55" name="Straight Arrow Connector 54">
+              <a:extLst>
+                <a:ext uri="{FF2B5EF4-FFF2-40B4-BE49-F238E27FC236}">
+                  <a16:creationId xmlns:a16="http://schemas.microsoft.com/office/drawing/2014/main" id="{72605DC9-73C0-23DD-FB36-7703219CB5B2}"/>
+                </a:ext>
+              </a:extLst>
+            </p:cNvPr>
+            <p:cNvCxnSpPr/>
+            <p:nvPr/>
+          </p:nvCxnSpPr>
+          <p:spPr>
+            <a:xfrm>
+              <a:off x="3493249" y="863791"/>
+              <a:ext cx="183828" cy="157583"/>
+            </a:xfrm>
+            <a:prstGeom prst="straightConnector1">
+              <a:avLst/>
+            </a:prstGeom>
+            <a:ln>
+              <a:tailEnd type="triangle"/>
+            </a:ln>
+          </p:spPr>
+          <p:style>
+            <a:lnRef idx="1">
+              <a:schemeClr val="accent1"/>
+            </a:lnRef>
+            <a:fillRef idx="0">
+              <a:schemeClr val="accent1"/>
+            </a:fillRef>
+            <a:effectRef idx="0">
+              <a:schemeClr val="accent1"/>
+            </a:effectRef>
+            <a:fontRef idx="minor">
+              <a:schemeClr val="tx1"/>
+            </a:fontRef>
+          </p:style>
+        </p:cxnSp>
+        <p:cxnSp>
+          <p:nvCxnSpPr>
+            <p:cNvPr id="57" name="Straight Arrow Connector 56">
+              <a:extLst>
+                <a:ext uri="{FF2B5EF4-FFF2-40B4-BE49-F238E27FC236}">
+                  <a16:creationId xmlns:a16="http://schemas.microsoft.com/office/drawing/2014/main" id="{E1FA695F-B7DC-8146-CDB2-D7E516573DE8}"/>
+                </a:ext>
+              </a:extLst>
+            </p:cNvPr>
+            <p:cNvCxnSpPr/>
+            <p:nvPr/>
+          </p:nvCxnSpPr>
+          <p:spPr>
+            <a:xfrm flipV="1">
+              <a:off x="3907972" y="1479102"/>
+              <a:ext cx="182464" cy="145532"/>
+            </a:xfrm>
+            <a:prstGeom prst="straightConnector1">
+              <a:avLst/>
+            </a:prstGeom>
+            <a:ln>
+              <a:tailEnd type="triangle"/>
+            </a:ln>
+          </p:spPr>
+          <p:style>
+            <a:lnRef idx="1">
+              <a:schemeClr val="accent1"/>
+            </a:lnRef>
+            <a:fillRef idx="0">
+              <a:schemeClr val="accent1"/>
+            </a:fillRef>
+            <a:effectRef idx="0">
+              <a:schemeClr val="accent1"/>
+            </a:effectRef>
+            <a:fontRef idx="minor">
+              <a:schemeClr val="tx1"/>
+            </a:fontRef>
+          </p:style>
+        </p:cxnSp>
+      </p:grpSp>
     </p:spTree>
     <p:extLst>
       <p:ext uri="{BB962C8B-B14F-4D97-AF65-F5344CB8AC3E}">

--- a/docs/FiguresForLatentVariableModeling.pptx
+++ b/docs/FiguresForLatentVariableModeling.pptx
@@ -5306,6 +5306,954 @@
           </p:style>
         </p:cxnSp>
       </p:grpSp>
+      <p:grpSp>
+        <p:nvGrpSpPr>
+          <p:cNvPr id="84" name="Group 83">
+            <a:extLst>
+              <a:ext uri="{FF2B5EF4-FFF2-40B4-BE49-F238E27FC236}">
+                <a16:creationId xmlns:a16="http://schemas.microsoft.com/office/drawing/2014/main" id="{A2CA7D78-007A-263D-B7C8-41056AE3B0C3}"/>
+              </a:ext>
+            </a:extLst>
+          </p:cNvPr>
+          <p:cNvGrpSpPr/>
+          <p:nvPr/>
+        </p:nvGrpSpPr>
+        <p:grpSpPr>
+          <a:xfrm>
+            <a:off x="642105" y="2444584"/>
+            <a:ext cx="2250328" cy="1095175"/>
+            <a:chOff x="642105" y="2444584"/>
+            <a:chExt cx="2250328" cy="1095175"/>
+          </a:xfrm>
+        </p:grpSpPr>
+        <mc:AlternateContent xmlns:mc="http://schemas.openxmlformats.org/markup-compatibility/2006">
+          <mc:Choice xmlns:a14="http://schemas.microsoft.com/office/drawing/2010/main" Requires="a14">
+            <p:sp>
+              <p:nvSpPr>
+                <p:cNvPr id="61" name="TextBox 60">
+                  <a:extLst>
+                    <a:ext uri="{FF2B5EF4-FFF2-40B4-BE49-F238E27FC236}">
+                      <a16:creationId xmlns:a16="http://schemas.microsoft.com/office/drawing/2014/main" id="{9859CC8A-2C4D-8A4C-B1BA-31E47C3180F0}"/>
+                    </a:ext>
+                  </a:extLst>
+                </p:cNvPr>
+                <p:cNvSpPr txBox="1"/>
+                <p:nvPr/>
+              </p:nvSpPr>
+              <p:spPr>
+                <a:xfrm>
+                  <a:off x="1054855" y="3053467"/>
+                  <a:ext cx="293285" cy="246221"/>
+                </a:xfrm>
+                <a:prstGeom prst="rect">
+                  <a:avLst/>
+                </a:prstGeom>
+                <a:noFill/>
+              </p:spPr>
+              <p:txBody>
+                <a:bodyPr wrap="none" rtlCol="0">
+                  <a:spAutoFit/>
+                </a:bodyPr>
+                <a:lstStyle/>
+                <a:p>
+                  <a14:m>
+                    <m:oMathPara xmlns:m="http://schemas.openxmlformats.org/officeDocument/2006/math">
+                      <m:oMathParaPr>
+                        <m:jc m:val="centerGroup"/>
+                      </m:oMathParaPr>
+                      <m:oMath xmlns:m="http://schemas.openxmlformats.org/officeDocument/2006/math">
+                        <m:r>
+                          <a:rPr lang="en-US" sz="1000" b="0" i="1" smtClean="0">
+                            <a:latin typeface="Cambria Math" panose="02040503050406030204" pitchFamily="18" charset="0"/>
+                          </a:rPr>
+                          <m:t>𝑇</m:t>
+                        </m:r>
+                      </m:oMath>
+                    </m:oMathPara>
+                  </a14:m>
+                  <a:endParaRPr lang="en-US" sz="1000" dirty="0"/>
+                </a:p>
+              </p:txBody>
+            </p:sp>
+          </mc:Choice>
+          <mc:Fallback>
+            <p:sp>
+              <p:nvSpPr>
+                <p:cNvPr id="61" name="TextBox 60">
+                  <a:extLst>
+                    <a:ext uri="{FF2B5EF4-FFF2-40B4-BE49-F238E27FC236}">
+                      <a16:creationId xmlns:a16="http://schemas.microsoft.com/office/drawing/2014/main" id="{9859CC8A-2C4D-8A4C-B1BA-31E47C3180F0}"/>
+                    </a:ext>
+                  </a:extLst>
+                </p:cNvPr>
+                <p:cNvSpPr txBox="1">
+                  <a:spLocks noRot="1" noChangeAspect="1" noMove="1" noResize="1" noEditPoints="1" noAdjustHandles="1" noChangeArrowheads="1" noChangeShapeType="1" noTextEdit="1"/>
+                </p:cNvSpPr>
+                <p:nvPr/>
+              </p:nvSpPr>
+              <p:spPr>
+                <a:xfrm>
+                  <a:off x="1054855" y="3053467"/>
+                  <a:ext cx="293285" cy="246221"/>
+                </a:xfrm>
+                <a:prstGeom prst="rect">
+                  <a:avLst/>
+                </a:prstGeom>
+                <a:blipFill>
+                  <a:blip r:embed="rId15"/>
+                  <a:stretch>
+                    <a:fillRect/>
+                  </a:stretch>
+                </a:blipFill>
+              </p:spPr>
+              <p:txBody>
+                <a:bodyPr/>
+                <a:lstStyle/>
+                <a:p>
+                  <a:r>
+                    <a:rPr lang="en-US">
+                      <a:noFill/>
+                    </a:rPr>
+                    <a:t> </a:t>
+                  </a:r>
+                </a:p>
+              </p:txBody>
+            </p:sp>
+          </mc:Fallback>
+        </mc:AlternateContent>
+        <mc:AlternateContent xmlns:mc="http://schemas.openxmlformats.org/markup-compatibility/2006">
+          <mc:Choice xmlns:a14="http://schemas.microsoft.com/office/drawing/2010/main" Requires="a14">
+            <p:sp>
+              <p:nvSpPr>
+                <p:cNvPr id="62" name="TextBox 61">
+                  <a:extLst>
+                    <a:ext uri="{FF2B5EF4-FFF2-40B4-BE49-F238E27FC236}">
+                      <a16:creationId xmlns:a16="http://schemas.microsoft.com/office/drawing/2014/main" id="{AA8712DA-00A9-EB8D-8B73-FA44C301B759}"/>
+                    </a:ext>
+                  </a:extLst>
+                </p:cNvPr>
+                <p:cNvSpPr txBox="1"/>
+                <p:nvPr/>
+              </p:nvSpPr>
+              <p:spPr>
+                <a:xfrm>
+                  <a:off x="642105" y="2447042"/>
+                  <a:ext cx="299313" cy="246221"/>
+                </a:xfrm>
+                <a:prstGeom prst="rect">
+                  <a:avLst/>
+                </a:prstGeom>
+                <a:noFill/>
+              </p:spPr>
+              <p:txBody>
+                <a:bodyPr wrap="none" rtlCol="0">
+                  <a:spAutoFit/>
+                </a:bodyPr>
+                <a:lstStyle/>
+                <a:p>
+                  <a14:m>
+                    <m:oMathPara xmlns:m="http://schemas.openxmlformats.org/officeDocument/2006/math">
+                      <m:oMathParaPr>
+                        <m:jc m:val="centerGroup"/>
+                      </m:oMathParaPr>
+                      <m:oMath xmlns:m="http://schemas.openxmlformats.org/officeDocument/2006/math">
+                        <m:r>
+                          <a:rPr lang="en-US" sz="1000" b="0" i="1" smtClean="0">
+                            <a:latin typeface="Cambria Math" panose="02040503050406030204" pitchFamily="18" charset="0"/>
+                          </a:rPr>
+                          <m:t>𝐺</m:t>
+                        </m:r>
+                      </m:oMath>
+                    </m:oMathPara>
+                  </a14:m>
+                  <a:endParaRPr lang="en-US" sz="1000" dirty="0"/>
+                </a:p>
+              </p:txBody>
+            </p:sp>
+          </mc:Choice>
+          <mc:Fallback>
+            <p:sp>
+              <p:nvSpPr>
+                <p:cNvPr id="62" name="TextBox 61">
+                  <a:extLst>
+                    <a:ext uri="{FF2B5EF4-FFF2-40B4-BE49-F238E27FC236}">
+                      <a16:creationId xmlns:a16="http://schemas.microsoft.com/office/drawing/2014/main" id="{AA8712DA-00A9-EB8D-8B73-FA44C301B759}"/>
+                    </a:ext>
+                  </a:extLst>
+                </p:cNvPr>
+                <p:cNvSpPr txBox="1">
+                  <a:spLocks noRot="1" noChangeAspect="1" noMove="1" noResize="1" noEditPoints="1" noAdjustHandles="1" noChangeArrowheads="1" noChangeShapeType="1" noTextEdit="1"/>
+                </p:cNvSpPr>
+                <p:nvPr/>
+              </p:nvSpPr>
+              <p:spPr>
+                <a:xfrm>
+                  <a:off x="642105" y="2447042"/>
+                  <a:ext cx="299313" cy="246221"/>
+                </a:xfrm>
+                <a:prstGeom prst="rect">
+                  <a:avLst/>
+                </a:prstGeom>
+                <a:blipFill>
+                  <a:blip r:embed="rId16"/>
+                  <a:stretch>
+                    <a:fillRect/>
+                  </a:stretch>
+                </a:blipFill>
+              </p:spPr>
+              <p:txBody>
+                <a:bodyPr/>
+                <a:lstStyle/>
+                <a:p>
+                  <a:r>
+                    <a:rPr lang="en-US">
+                      <a:noFill/>
+                    </a:rPr>
+                    <a:t> </a:t>
+                  </a:r>
+                </a:p>
+              </p:txBody>
+            </p:sp>
+          </mc:Fallback>
+        </mc:AlternateContent>
+        <mc:AlternateContent xmlns:mc="http://schemas.openxmlformats.org/markup-compatibility/2006">
+          <mc:Choice xmlns:a14="http://schemas.microsoft.com/office/drawing/2010/main" Requires="a14">
+            <p:sp>
+              <p:nvSpPr>
+                <p:cNvPr id="63" name="TextBox 62">
+                  <a:extLst>
+                    <a:ext uri="{FF2B5EF4-FFF2-40B4-BE49-F238E27FC236}">
+                      <a16:creationId xmlns:a16="http://schemas.microsoft.com/office/drawing/2014/main" id="{D37F545E-EF0F-0B0F-608E-C5E35B193584}"/>
+                    </a:ext>
+                  </a:extLst>
+                </p:cNvPr>
+                <p:cNvSpPr txBox="1"/>
+                <p:nvPr/>
+              </p:nvSpPr>
+              <p:spPr>
+                <a:xfrm>
+                  <a:off x="1393727" y="2445813"/>
+                  <a:ext cx="298672" cy="246221"/>
+                </a:xfrm>
+                <a:prstGeom prst="rect">
+                  <a:avLst/>
+                </a:prstGeom>
+                <a:noFill/>
+              </p:spPr>
+              <p:txBody>
+                <a:bodyPr wrap="none" rtlCol="0">
+                  <a:spAutoFit/>
+                </a:bodyPr>
+                <a:lstStyle/>
+                <a:p>
+                  <a14:m>
+                    <m:oMathPara xmlns:m="http://schemas.openxmlformats.org/officeDocument/2006/math">
+                      <m:oMathParaPr>
+                        <m:jc m:val="centerGroup"/>
+                      </m:oMathParaPr>
+                      <m:oMath xmlns:m="http://schemas.openxmlformats.org/officeDocument/2006/math">
+                        <m:r>
+                          <a:rPr lang="en-US" sz="1000" b="0" i="1" smtClean="0">
+                            <a:latin typeface="Cambria Math" panose="02040503050406030204" pitchFamily="18" charset="0"/>
+                          </a:rPr>
+                          <m:t>𝐸</m:t>
+                        </m:r>
+                      </m:oMath>
+                    </m:oMathPara>
+                  </a14:m>
+                  <a:endParaRPr lang="en-US" sz="1000" dirty="0"/>
+                </a:p>
+              </p:txBody>
+            </p:sp>
+          </mc:Choice>
+          <mc:Fallback>
+            <p:sp>
+              <p:nvSpPr>
+                <p:cNvPr id="63" name="TextBox 62">
+                  <a:extLst>
+                    <a:ext uri="{FF2B5EF4-FFF2-40B4-BE49-F238E27FC236}">
+                      <a16:creationId xmlns:a16="http://schemas.microsoft.com/office/drawing/2014/main" id="{D37F545E-EF0F-0B0F-608E-C5E35B193584}"/>
+                    </a:ext>
+                  </a:extLst>
+                </p:cNvPr>
+                <p:cNvSpPr txBox="1">
+                  <a:spLocks noRot="1" noChangeAspect="1" noMove="1" noResize="1" noEditPoints="1" noAdjustHandles="1" noChangeArrowheads="1" noChangeShapeType="1" noTextEdit="1"/>
+                </p:cNvSpPr>
+                <p:nvPr/>
+              </p:nvSpPr>
+              <p:spPr>
+                <a:xfrm>
+                  <a:off x="1393727" y="2445813"/>
+                  <a:ext cx="298672" cy="246221"/>
+                </a:xfrm>
+                <a:prstGeom prst="rect">
+                  <a:avLst/>
+                </a:prstGeom>
+                <a:blipFill>
+                  <a:blip r:embed="rId17"/>
+                  <a:stretch>
+                    <a:fillRect/>
+                  </a:stretch>
+                </a:blipFill>
+              </p:spPr>
+              <p:txBody>
+                <a:bodyPr/>
+                <a:lstStyle/>
+                <a:p>
+                  <a:r>
+                    <a:rPr lang="en-US">
+                      <a:noFill/>
+                    </a:rPr>
+                    <a:t> </a:t>
+                  </a:r>
+                </a:p>
+              </p:txBody>
+            </p:sp>
+          </mc:Fallback>
+        </mc:AlternateContent>
+        <p:cxnSp>
+          <p:nvCxnSpPr>
+            <p:cNvPr id="65" name="Curved Connector 64">
+              <a:extLst>
+                <a:ext uri="{FF2B5EF4-FFF2-40B4-BE49-F238E27FC236}">
+                  <a16:creationId xmlns:a16="http://schemas.microsoft.com/office/drawing/2014/main" id="{7F398101-F13F-1935-60C6-866D9B34F3D4}"/>
+                </a:ext>
+              </a:extLst>
+            </p:cNvPr>
+            <p:cNvCxnSpPr>
+              <a:cxnSpLocks/>
+            </p:cNvCxnSpPr>
+            <p:nvPr/>
+          </p:nvCxnSpPr>
+          <p:spPr>
+            <a:xfrm rot="5400000" flipH="1" flipV="1">
+              <a:off x="1166798" y="2108684"/>
+              <a:ext cx="1229" cy="751301"/>
+            </a:xfrm>
+            <a:prstGeom prst="curvedConnector3">
+              <a:avLst>
+                <a:gd name="adj1" fmla="val 18700488"/>
+              </a:avLst>
+            </a:prstGeom>
+            <a:ln>
+              <a:headEnd type="triangle"/>
+              <a:tailEnd type="triangle"/>
+            </a:ln>
+          </p:spPr>
+          <p:style>
+            <a:lnRef idx="1">
+              <a:schemeClr val="accent1"/>
+            </a:lnRef>
+            <a:fillRef idx="0">
+              <a:schemeClr val="accent1"/>
+            </a:fillRef>
+            <a:effectRef idx="0">
+              <a:schemeClr val="accent1"/>
+            </a:effectRef>
+            <a:fontRef idx="minor">
+              <a:schemeClr val="tx1"/>
+            </a:fontRef>
+          </p:style>
+        </p:cxnSp>
+        <p:cxnSp>
+          <p:nvCxnSpPr>
+            <p:cNvPr id="67" name="Straight Arrow Connector 66">
+              <a:extLst>
+                <a:ext uri="{FF2B5EF4-FFF2-40B4-BE49-F238E27FC236}">
+                  <a16:creationId xmlns:a16="http://schemas.microsoft.com/office/drawing/2014/main" id="{5D950FFA-0D21-3E23-9BDF-3A525721B1F0}"/>
+                </a:ext>
+              </a:extLst>
+            </p:cNvPr>
+            <p:cNvCxnSpPr/>
+            <p:nvPr/>
+          </p:nvCxnSpPr>
+          <p:spPr>
+            <a:xfrm>
+              <a:off x="831610" y="2633656"/>
+              <a:ext cx="302811" cy="511175"/>
+            </a:xfrm>
+            <a:prstGeom prst="straightConnector1">
+              <a:avLst/>
+            </a:prstGeom>
+            <a:ln>
+              <a:tailEnd type="triangle"/>
+            </a:ln>
+          </p:spPr>
+          <p:style>
+            <a:lnRef idx="1">
+              <a:schemeClr val="accent1"/>
+            </a:lnRef>
+            <a:fillRef idx="0">
+              <a:schemeClr val="accent1"/>
+            </a:fillRef>
+            <a:effectRef idx="0">
+              <a:schemeClr val="accent1"/>
+            </a:effectRef>
+            <a:fontRef idx="minor">
+              <a:schemeClr val="tx1"/>
+            </a:fontRef>
+          </p:style>
+        </p:cxnSp>
+        <p:cxnSp>
+          <p:nvCxnSpPr>
+            <p:cNvPr id="69" name="Straight Arrow Connector 68">
+              <a:extLst>
+                <a:ext uri="{FF2B5EF4-FFF2-40B4-BE49-F238E27FC236}">
+                  <a16:creationId xmlns:a16="http://schemas.microsoft.com/office/drawing/2014/main" id="{88799349-A715-0815-715D-A7CAE06CC3FA}"/>
+                </a:ext>
+              </a:extLst>
+            </p:cNvPr>
+            <p:cNvCxnSpPr>
+              <a:cxnSpLocks/>
+            </p:cNvCxnSpPr>
+            <p:nvPr/>
+          </p:nvCxnSpPr>
+          <p:spPr>
+            <a:xfrm flipH="1">
+              <a:off x="1216723" y="2650068"/>
+              <a:ext cx="329226" cy="494763"/>
+            </a:xfrm>
+            <a:prstGeom prst="straightConnector1">
+              <a:avLst/>
+            </a:prstGeom>
+            <a:ln>
+              <a:tailEnd type="triangle"/>
+            </a:ln>
+          </p:spPr>
+          <p:style>
+            <a:lnRef idx="1">
+              <a:schemeClr val="accent1"/>
+            </a:lnRef>
+            <a:fillRef idx="0">
+              <a:schemeClr val="accent1"/>
+            </a:fillRef>
+            <a:effectRef idx="0">
+              <a:schemeClr val="accent1"/>
+            </a:effectRef>
+            <a:fontRef idx="minor">
+              <a:schemeClr val="tx1"/>
+            </a:fontRef>
+          </p:style>
+        </p:cxnSp>
+        <mc:AlternateContent xmlns:mc="http://schemas.openxmlformats.org/markup-compatibility/2006">
+          <mc:Choice xmlns:a14="http://schemas.microsoft.com/office/drawing/2010/main" Requires="a14">
+            <p:sp>
+              <p:nvSpPr>
+                <p:cNvPr id="74" name="TextBox 73">
+                  <a:extLst>
+                    <a:ext uri="{FF2B5EF4-FFF2-40B4-BE49-F238E27FC236}">
+                      <a16:creationId xmlns:a16="http://schemas.microsoft.com/office/drawing/2014/main" id="{CA0C7A44-31D4-7B06-EAA0-7AAAB144A173}"/>
+                    </a:ext>
+                  </a:extLst>
+                </p:cNvPr>
+                <p:cNvSpPr txBox="1"/>
+                <p:nvPr/>
+              </p:nvSpPr>
+              <p:spPr>
+                <a:xfrm>
+                  <a:off x="2254889" y="3052238"/>
+                  <a:ext cx="293285" cy="246221"/>
+                </a:xfrm>
+                <a:prstGeom prst="rect">
+                  <a:avLst/>
+                </a:prstGeom>
+                <a:noFill/>
+              </p:spPr>
+              <p:txBody>
+                <a:bodyPr wrap="none" rtlCol="0">
+                  <a:spAutoFit/>
+                </a:bodyPr>
+                <a:lstStyle/>
+                <a:p>
+                  <a14:m>
+                    <m:oMathPara xmlns:m="http://schemas.openxmlformats.org/officeDocument/2006/math">
+                      <m:oMathParaPr>
+                        <m:jc m:val="centerGroup"/>
+                      </m:oMathParaPr>
+                      <m:oMath xmlns:m="http://schemas.openxmlformats.org/officeDocument/2006/math">
+                        <m:r>
+                          <a:rPr lang="en-US" sz="1000" b="0" i="1" smtClean="0">
+                            <a:latin typeface="Cambria Math" panose="02040503050406030204" pitchFamily="18" charset="0"/>
+                          </a:rPr>
+                          <m:t>𝑇</m:t>
+                        </m:r>
+                      </m:oMath>
+                    </m:oMathPara>
+                  </a14:m>
+                  <a:endParaRPr lang="en-US" sz="1000" dirty="0"/>
+                </a:p>
+              </p:txBody>
+            </p:sp>
+          </mc:Choice>
+          <mc:Fallback>
+            <p:sp>
+              <p:nvSpPr>
+                <p:cNvPr id="74" name="TextBox 73">
+                  <a:extLst>
+                    <a:ext uri="{FF2B5EF4-FFF2-40B4-BE49-F238E27FC236}">
+                      <a16:creationId xmlns:a16="http://schemas.microsoft.com/office/drawing/2014/main" id="{CA0C7A44-31D4-7B06-EAA0-7AAAB144A173}"/>
+                    </a:ext>
+                  </a:extLst>
+                </p:cNvPr>
+                <p:cNvSpPr txBox="1">
+                  <a:spLocks noRot="1" noChangeAspect="1" noMove="1" noResize="1" noEditPoints="1" noAdjustHandles="1" noChangeArrowheads="1" noChangeShapeType="1" noTextEdit="1"/>
+                </p:cNvSpPr>
+                <p:nvPr/>
+              </p:nvSpPr>
+              <p:spPr>
+                <a:xfrm>
+                  <a:off x="2254889" y="3052238"/>
+                  <a:ext cx="293285" cy="246221"/>
+                </a:xfrm>
+                <a:prstGeom prst="rect">
+                  <a:avLst/>
+                </a:prstGeom>
+                <a:blipFill>
+                  <a:blip r:embed="rId9"/>
+                  <a:stretch>
+                    <a:fillRect/>
+                  </a:stretch>
+                </a:blipFill>
+              </p:spPr>
+              <p:txBody>
+                <a:bodyPr/>
+                <a:lstStyle/>
+                <a:p>
+                  <a:r>
+                    <a:rPr lang="en-US">
+                      <a:noFill/>
+                    </a:rPr>
+                    <a:t> </a:t>
+                  </a:r>
+                </a:p>
+              </p:txBody>
+            </p:sp>
+          </mc:Fallback>
+        </mc:AlternateContent>
+        <mc:AlternateContent xmlns:mc="http://schemas.openxmlformats.org/markup-compatibility/2006">
+          <mc:Choice xmlns:a14="http://schemas.microsoft.com/office/drawing/2010/main" Requires="a14">
+            <p:sp>
+              <p:nvSpPr>
+                <p:cNvPr id="75" name="TextBox 74">
+                  <a:extLst>
+                    <a:ext uri="{FF2B5EF4-FFF2-40B4-BE49-F238E27FC236}">
+                      <a16:creationId xmlns:a16="http://schemas.microsoft.com/office/drawing/2014/main" id="{2F6F1A1E-92D4-CB9F-EE64-8010D71DB310}"/>
+                    </a:ext>
+                  </a:extLst>
+                </p:cNvPr>
+                <p:cNvSpPr txBox="1"/>
+                <p:nvPr/>
+              </p:nvSpPr>
+              <p:spPr>
+                <a:xfrm>
+                  <a:off x="1842139" y="2445813"/>
+                  <a:ext cx="299313" cy="246221"/>
+                </a:xfrm>
+                <a:prstGeom prst="rect">
+                  <a:avLst/>
+                </a:prstGeom>
+                <a:noFill/>
+              </p:spPr>
+              <p:txBody>
+                <a:bodyPr wrap="none" rtlCol="0">
+                  <a:spAutoFit/>
+                </a:bodyPr>
+                <a:lstStyle/>
+                <a:p>
+                  <a14:m>
+                    <m:oMathPara xmlns:m="http://schemas.openxmlformats.org/officeDocument/2006/math">
+                      <m:oMathParaPr>
+                        <m:jc m:val="centerGroup"/>
+                      </m:oMathParaPr>
+                      <m:oMath xmlns:m="http://schemas.openxmlformats.org/officeDocument/2006/math">
+                        <m:r>
+                          <a:rPr lang="en-US" sz="1000" b="0" i="1" smtClean="0">
+                            <a:latin typeface="Cambria Math" panose="02040503050406030204" pitchFamily="18" charset="0"/>
+                          </a:rPr>
+                          <m:t>𝐺</m:t>
+                        </m:r>
+                      </m:oMath>
+                    </m:oMathPara>
+                  </a14:m>
+                  <a:endParaRPr lang="en-US" sz="1000" dirty="0"/>
+                </a:p>
+              </p:txBody>
+            </p:sp>
+          </mc:Choice>
+          <mc:Fallback>
+            <p:sp>
+              <p:nvSpPr>
+                <p:cNvPr id="75" name="TextBox 74">
+                  <a:extLst>
+                    <a:ext uri="{FF2B5EF4-FFF2-40B4-BE49-F238E27FC236}">
+                      <a16:creationId xmlns:a16="http://schemas.microsoft.com/office/drawing/2014/main" id="{2F6F1A1E-92D4-CB9F-EE64-8010D71DB310}"/>
+                    </a:ext>
+                  </a:extLst>
+                </p:cNvPr>
+                <p:cNvSpPr txBox="1">
+                  <a:spLocks noRot="1" noChangeAspect="1" noMove="1" noResize="1" noEditPoints="1" noAdjustHandles="1" noChangeArrowheads="1" noChangeShapeType="1" noTextEdit="1"/>
+                </p:cNvSpPr>
+                <p:nvPr/>
+              </p:nvSpPr>
+              <p:spPr>
+                <a:xfrm>
+                  <a:off x="1842139" y="2445813"/>
+                  <a:ext cx="299313" cy="246221"/>
+                </a:xfrm>
+                <a:prstGeom prst="rect">
+                  <a:avLst/>
+                </a:prstGeom>
+                <a:blipFill>
+                  <a:blip r:embed="rId18"/>
+                  <a:stretch>
+                    <a:fillRect/>
+                  </a:stretch>
+                </a:blipFill>
+              </p:spPr>
+              <p:txBody>
+                <a:bodyPr/>
+                <a:lstStyle/>
+                <a:p>
+                  <a:r>
+                    <a:rPr lang="en-US">
+                      <a:noFill/>
+                    </a:rPr>
+                    <a:t> </a:t>
+                  </a:r>
+                </a:p>
+              </p:txBody>
+            </p:sp>
+          </mc:Fallback>
+        </mc:AlternateContent>
+        <mc:AlternateContent xmlns:mc="http://schemas.openxmlformats.org/markup-compatibility/2006">
+          <mc:Choice xmlns:a14="http://schemas.microsoft.com/office/drawing/2010/main" Requires="a14">
+            <p:sp>
+              <p:nvSpPr>
+                <p:cNvPr id="76" name="TextBox 75">
+                  <a:extLst>
+                    <a:ext uri="{FF2B5EF4-FFF2-40B4-BE49-F238E27FC236}">
+                      <a16:creationId xmlns:a16="http://schemas.microsoft.com/office/drawing/2014/main" id="{05492DD5-80C7-CE21-FA9F-502943E649E7}"/>
+                    </a:ext>
+                  </a:extLst>
+                </p:cNvPr>
+                <p:cNvSpPr txBox="1"/>
+                <p:nvPr/>
+              </p:nvSpPr>
+              <p:spPr>
+                <a:xfrm>
+                  <a:off x="2593761" y="2444584"/>
+                  <a:ext cx="298672" cy="246221"/>
+                </a:xfrm>
+                <a:prstGeom prst="rect">
+                  <a:avLst/>
+                </a:prstGeom>
+                <a:noFill/>
+              </p:spPr>
+              <p:txBody>
+                <a:bodyPr wrap="none" rtlCol="0">
+                  <a:spAutoFit/>
+                </a:bodyPr>
+                <a:lstStyle/>
+                <a:p>
+                  <a14:m>
+                    <m:oMathPara xmlns:m="http://schemas.openxmlformats.org/officeDocument/2006/math">
+                      <m:oMathParaPr>
+                        <m:jc m:val="centerGroup"/>
+                      </m:oMathParaPr>
+                      <m:oMath xmlns:m="http://schemas.openxmlformats.org/officeDocument/2006/math">
+                        <m:r>
+                          <a:rPr lang="en-US" sz="1000" b="0" i="1" smtClean="0">
+                            <a:latin typeface="Cambria Math" panose="02040503050406030204" pitchFamily="18" charset="0"/>
+                          </a:rPr>
+                          <m:t>𝐸</m:t>
+                        </m:r>
+                      </m:oMath>
+                    </m:oMathPara>
+                  </a14:m>
+                  <a:endParaRPr lang="en-US" sz="1000" dirty="0"/>
+                </a:p>
+              </p:txBody>
+            </p:sp>
+          </mc:Choice>
+          <mc:Fallback>
+            <p:sp>
+              <p:nvSpPr>
+                <p:cNvPr id="76" name="TextBox 75">
+                  <a:extLst>
+                    <a:ext uri="{FF2B5EF4-FFF2-40B4-BE49-F238E27FC236}">
+                      <a16:creationId xmlns:a16="http://schemas.microsoft.com/office/drawing/2014/main" id="{05492DD5-80C7-CE21-FA9F-502943E649E7}"/>
+                    </a:ext>
+                  </a:extLst>
+                </p:cNvPr>
+                <p:cNvSpPr txBox="1">
+                  <a:spLocks noRot="1" noChangeAspect="1" noMove="1" noResize="1" noEditPoints="1" noAdjustHandles="1" noChangeArrowheads="1" noChangeShapeType="1" noTextEdit="1"/>
+                </p:cNvSpPr>
+                <p:nvPr/>
+              </p:nvSpPr>
+              <p:spPr>
+                <a:xfrm>
+                  <a:off x="2593761" y="2444584"/>
+                  <a:ext cx="298672" cy="246221"/>
+                </a:xfrm>
+                <a:prstGeom prst="rect">
+                  <a:avLst/>
+                </a:prstGeom>
+                <a:blipFill>
+                  <a:blip r:embed="rId19"/>
+                  <a:stretch>
+                    <a:fillRect/>
+                  </a:stretch>
+                </a:blipFill>
+              </p:spPr>
+              <p:txBody>
+                <a:bodyPr/>
+                <a:lstStyle/>
+                <a:p>
+                  <a:r>
+                    <a:rPr lang="en-US">
+                      <a:noFill/>
+                    </a:rPr>
+                    <a:t> </a:t>
+                  </a:r>
+                </a:p>
+              </p:txBody>
+            </p:sp>
+          </mc:Fallback>
+        </mc:AlternateContent>
+        <p:cxnSp>
+          <p:nvCxnSpPr>
+            <p:cNvPr id="77" name="Curved Connector 76">
+              <a:extLst>
+                <a:ext uri="{FF2B5EF4-FFF2-40B4-BE49-F238E27FC236}">
+                  <a16:creationId xmlns:a16="http://schemas.microsoft.com/office/drawing/2014/main" id="{E71CA91E-DB13-5C6C-38C7-519730DE32DC}"/>
+                </a:ext>
+              </a:extLst>
+            </p:cNvPr>
+            <p:cNvCxnSpPr>
+              <a:cxnSpLocks/>
+            </p:cNvCxnSpPr>
+            <p:nvPr/>
+          </p:nvCxnSpPr>
+          <p:spPr>
+            <a:xfrm rot="5400000" flipH="1" flipV="1">
+              <a:off x="2366832" y="2107455"/>
+              <a:ext cx="1229" cy="751301"/>
+            </a:xfrm>
+            <a:prstGeom prst="curvedConnector3">
+              <a:avLst>
+                <a:gd name="adj1" fmla="val 18700488"/>
+              </a:avLst>
+            </a:prstGeom>
+            <a:ln>
+              <a:headEnd type="triangle"/>
+              <a:tailEnd type="triangle"/>
+            </a:ln>
+          </p:spPr>
+          <p:style>
+            <a:lnRef idx="1">
+              <a:schemeClr val="accent1"/>
+            </a:lnRef>
+            <a:fillRef idx="0">
+              <a:schemeClr val="accent1"/>
+            </a:fillRef>
+            <a:effectRef idx="0">
+              <a:schemeClr val="accent1"/>
+            </a:effectRef>
+            <a:fontRef idx="minor">
+              <a:schemeClr val="tx1"/>
+            </a:fontRef>
+          </p:style>
+        </p:cxnSp>
+        <p:cxnSp>
+          <p:nvCxnSpPr>
+            <p:cNvPr id="78" name="Straight Arrow Connector 77">
+              <a:extLst>
+                <a:ext uri="{FF2B5EF4-FFF2-40B4-BE49-F238E27FC236}">
+                  <a16:creationId xmlns:a16="http://schemas.microsoft.com/office/drawing/2014/main" id="{92DB8205-F8AB-EED9-85C3-D549319973DB}"/>
+                </a:ext>
+              </a:extLst>
+            </p:cNvPr>
+            <p:cNvCxnSpPr/>
+            <p:nvPr/>
+          </p:nvCxnSpPr>
+          <p:spPr>
+            <a:xfrm>
+              <a:off x="2031644" y="2632427"/>
+              <a:ext cx="302811" cy="511175"/>
+            </a:xfrm>
+            <a:prstGeom prst="straightConnector1">
+              <a:avLst/>
+            </a:prstGeom>
+            <a:ln>
+              <a:tailEnd type="triangle"/>
+            </a:ln>
+          </p:spPr>
+          <p:style>
+            <a:lnRef idx="1">
+              <a:schemeClr val="accent1"/>
+            </a:lnRef>
+            <a:fillRef idx="0">
+              <a:schemeClr val="accent1"/>
+            </a:fillRef>
+            <a:effectRef idx="0">
+              <a:schemeClr val="accent1"/>
+            </a:effectRef>
+            <a:fontRef idx="minor">
+              <a:schemeClr val="tx1"/>
+            </a:fontRef>
+          </p:style>
+        </p:cxnSp>
+        <p:cxnSp>
+          <p:nvCxnSpPr>
+            <p:cNvPr id="79" name="Straight Arrow Connector 78">
+              <a:extLst>
+                <a:ext uri="{FF2B5EF4-FFF2-40B4-BE49-F238E27FC236}">
+                  <a16:creationId xmlns:a16="http://schemas.microsoft.com/office/drawing/2014/main" id="{5386624F-56DE-475C-AC9A-62E6930E413B}"/>
+                </a:ext>
+              </a:extLst>
+            </p:cNvPr>
+            <p:cNvCxnSpPr>
+              <a:cxnSpLocks/>
+            </p:cNvCxnSpPr>
+            <p:nvPr/>
+          </p:nvCxnSpPr>
+          <p:spPr>
+            <a:xfrm flipH="1">
+              <a:off x="2416757" y="2648839"/>
+              <a:ext cx="329226" cy="494763"/>
+            </a:xfrm>
+            <a:prstGeom prst="straightConnector1">
+              <a:avLst/>
+            </a:prstGeom>
+            <a:ln>
+              <a:tailEnd type="triangle"/>
+            </a:ln>
+          </p:spPr>
+          <p:style>
+            <a:lnRef idx="1">
+              <a:schemeClr val="accent1"/>
+            </a:lnRef>
+            <a:fillRef idx="0">
+              <a:schemeClr val="accent1"/>
+            </a:fillRef>
+            <a:effectRef idx="0">
+              <a:schemeClr val="accent1"/>
+            </a:effectRef>
+            <a:fontRef idx="minor">
+              <a:schemeClr val="tx1"/>
+            </a:fontRef>
+          </p:style>
+        </p:cxnSp>
+        <p:cxnSp>
+          <p:nvCxnSpPr>
+            <p:cNvPr id="81" name="Straight Arrow Connector 80">
+              <a:extLst>
+                <a:ext uri="{FF2B5EF4-FFF2-40B4-BE49-F238E27FC236}">
+                  <a16:creationId xmlns:a16="http://schemas.microsoft.com/office/drawing/2014/main" id="{B52DFA7F-3F7E-484A-F368-EEA0F485A73E}"/>
+                </a:ext>
+              </a:extLst>
+            </p:cNvPr>
+            <p:cNvCxnSpPr/>
+            <p:nvPr/>
+          </p:nvCxnSpPr>
+          <p:spPr>
+            <a:xfrm flipH="1">
+              <a:off x="2476100" y="3083984"/>
+              <a:ext cx="269883" cy="91364"/>
+            </a:xfrm>
+            <a:prstGeom prst="straightConnector1">
+              <a:avLst/>
+            </a:prstGeom>
+            <a:ln>
+              <a:tailEnd type="triangle"/>
+            </a:ln>
+          </p:spPr>
+          <p:style>
+            <a:lnRef idx="1">
+              <a:schemeClr val="accent1"/>
+            </a:lnRef>
+            <a:fillRef idx="0">
+              <a:schemeClr val="accent1"/>
+            </a:fillRef>
+            <a:effectRef idx="0">
+              <a:schemeClr val="accent1"/>
+            </a:effectRef>
+            <a:fontRef idx="minor">
+              <a:schemeClr val="tx1"/>
+            </a:fontRef>
+          </p:style>
+        </p:cxnSp>
+        <p:sp>
+          <p:nvSpPr>
+            <p:cNvPr id="82" name="TextBox 81">
+              <a:extLst>
+                <a:ext uri="{FF2B5EF4-FFF2-40B4-BE49-F238E27FC236}">
+                  <a16:creationId xmlns:a16="http://schemas.microsoft.com/office/drawing/2014/main" id="{66751C45-F5DD-1245-5796-54E26BE5E80B}"/>
+                </a:ext>
+              </a:extLst>
+            </p:cNvPr>
+            <p:cNvSpPr txBox="1"/>
+            <p:nvPr/>
+          </p:nvSpPr>
+          <p:spPr>
+            <a:xfrm>
+              <a:off x="1007117" y="3293538"/>
+              <a:ext cx="322524" cy="246221"/>
+            </a:xfrm>
+            <a:prstGeom prst="rect">
+              <a:avLst/>
+            </a:prstGeom>
+            <a:noFill/>
+          </p:spPr>
+          <p:txBody>
+            <a:bodyPr wrap="none" rtlCol="0">
+              <a:spAutoFit/>
+            </a:bodyPr>
+            <a:lstStyle/>
+            <a:p>
+              <a:r>
+                <a:rPr lang="en-US" sz="1000" dirty="0"/>
+                <a:t>(a)</a:t>
+              </a:r>
+            </a:p>
+          </p:txBody>
+        </p:sp>
+        <p:sp>
+          <p:nvSpPr>
+            <p:cNvPr id="83" name="TextBox 82">
+              <a:extLst>
+                <a:ext uri="{FF2B5EF4-FFF2-40B4-BE49-F238E27FC236}">
+                  <a16:creationId xmlns:a16="http://schemas.microsoft.com/office/drawing/2014/main" id="{D63183C6-8F83-DD46-A663-1E96C44E286C}"/>
+                </a:ext>
+              </a:extLst>
+            </p:cNvPr>
+            <p:cNvSpPr txBox="1"/>
+            <p:nvPr/>
+          </p:nvSpPr>
+          <p:spPr>
+            <a:xfrm>
+              <a:off x="2225650" y="3281022"/>
+              <a:ext cx="328936" cy="246221"/>
+            </a:xfrm>
+            <a:prstGeom prst="rect">
+              <a:avLst/>
+            </a:prstGeom>
+            <a:noFill/>
+          </p:spPr>
+          <p:txBody>
+            <a:bodyPr wrap="none" rtlCol="0">
+              <a:spAutoFit/>
+            </a:bodyPr>
+            <a:lstStyle/>
+            <a:p>
+              <a:r>
+                <a:rPr lang="en-US" sz="1000" dirty="0"/>
+                <a:t>(b)</a:t>
+              </a:r>
+            </a:p>
+          </p:txBody>
+        </p:sp>
+      </p:grpSp>
     </p:spTree>
     <p:extLst>
       <p:ext uri="{BB962C8B-B14F-4D97-AF65-F5344CB8AC3E}">
